--- a/layout_sketches.pptx
+++ b/layout_sketches.pptx
@@ -104,6 +104,11 @@
       </a:defRPr>
     </a:lvl9pPr>
   </p:defaultTextStyle>
+  <p:extLst>
+    <p:ext uri="{EFAFB233-063F-42B5-8137-9DF3F51BA10A}">
+      <p15:sldGuideLst xmlns:p15="http://schemas.microsoft.com/office/powerpoint/2012/main"/>
+    </p:ext>
+  </p:extLst>
 </p:presentation>
 </file>
 
@@ -254,7 +259,7 @@
           <a:p>
             <a:fld id="{24E1D275-1CBF-4F78-876E-30D195C0EF8B}" type="datetimeFigureOut">
               <a:rPr lang="de-DE" smtClean="0"/>
-              <a:t>17.04.2021</a:t>
+              <a:t>19.04.2021</a:t>
             </a:fld>
             <a:endParaRPr lang="de-DE"/>
           </a:p>
@@ -452,7 +457,7 @@
           <a:p>
             <a:fld id="{24E1D275-1CBF-4F78-876E-30D195C0EF8B}" type="datetimeFigureOut">
               <a:rPr lang="de-DE" smtClean="0"/>
-              <a:t>17.04.2021</a:t>
+              <a:t>19.04.2021</a:t>
             </a:fld>
             <a:endParaRPr lang="de-DE"/>
           </a:p>
@@ -660,7 +665,7 @@
           <a:p>
             <a:fld id="{24E1D275-1CBF-4F78-876E-30D195C0EF8B}" type="datetimeFigureOut">
               <a:rPr lang="de-DE" smtClean="0"/>
-              <a:t>17.04.2021</a:t>
+              <a:t>19.04.2021</a:t>
             </a:fld>
             <a:endParaRPr lang="de-DE"/>
           </a:p>
@@ -858,7 +863,7 @@
           <a:p>
             <a:fld id="{24E1D275-1CBF-4F78-876E-30D195C0EF8B}" type="datetimeFigureOut">
               <a:rPr lang="de-DE" smtClean="0"/>
-              <a:t>17.04.2021</a:t>
+              <a:t>19.04.2021</a:t>
             </a:fld>
             <a:endParaRPr lang="de-DE"/>
           </a:p>
@@ -1133,7 +1138,7 @@
           <a:p>
             <a:fld id="{24E1D275-1CBF-4F78-876E-30D195C0EF8B}" type="datetimeFigureOut">
               <a:rPr lang="de-DE" smtClean="0"/>
-              <a:t>17.04.2021</a:t>
+              <a:t>19.04.2021</a:t>
             </a:fld>
             <a:endParaRPr lang="de-DE"/>
           </a:p>
@@ -1398,7 +1403,7 @@
           <a:p>
             <a:fld id="{24E1D275-1CBF-4F78-876E-30D195C0EF8B}" type="datetimeFigureOut">
               <a:rPr lang="de-DE" smtClean="0"/>
-              <a:t>17.04.2021</a:t>
+              <a:t>19.04.2021</a:t>
             </a:fld>
             <a:endParaRPr lang="de-DE"/>
           </a:p>
@@ -1810,7 +1815,7 @@
           <a:p>
             <a:fld id="{24E1D275-1CBF-4F78-876E-30D195C0EF8B}" type="datetimeFigureOut">
               <a:rPr lang="de-DE" smtClean="0"/>
-              <a:t>17.04.2021</a:t>
+              <a:t>19.04.2021</a:t>
             </a:fld>
             <a:endParaRPr lang="de-DE"/>
           </a:p>
@@ -1951,7 +1956,7 @@
           <a:p>
             <a:fld id="{24E1D275-1CBF-4F78-876E-30D195C0EF8B}" type="datetimeFigureOut">
               <a:rPr lang="de-DE" smtClean="0"/>
-              <a:t>17.04.2021</a:t>
+              <a:t>19.04.2021</a:t>
             </a:fld>
             <a:endParaRPr lang="de-DE"/>
           </a:p>
@@ -2064,7 +2069,7 @@
           <a:p>
             <a:fld id="{24E1D275-1CBF-4F78-876E-30D195C0EF8B}" type="datetimeFigureOut">
               <a:rPr lang="de-DE" smtClean="0"/>
-              <a:t>17.04.2021</a:t>
+              <a:t>19.04.2021</a:t>
             </a:fld>
             <a:endParaRPr lang="de-DE"/>
           </a:p>
@@ -2375,7 +2380,7 @@
           <a:p>
             <a:fld id="{24E1D275-1CBF-4F78-876E-30D195C0EF8B}" type="datetimeFigureOut">
               <a:rPr lang="de-DE" smtClean="0"/>
-              <a:t>17.04.2021</a:t>
+              <a:t>19.04.2021</a:t>
             </a:fld>
             <a:endParaRPr lang="de-DE"/>
           </a:p>
@@ -2663,7 +2668,7 @@
           <a:p>
             <a:fld id="{24E1D275-1CBF-4F78-876E-30D195C0EF8B}" type="datetimeFigureOut">
               <a:rPr lang="de-DE" smtClean="0"/>
-              <a:t>17.04.2021</a:t>
+              <a:t>19.04.2021</a:t>
             </a:fld>
             <a:endParaRPr lang="de-DE"/>
           </a:p>
@@ -2907,7 +2912,7 @@
           <a:p>
             <a:fld id="{24E1D275-1CBF-4F78-876E-30D195C0EF8B}" type="datetimeFigureOut">
               <a:rPr lang="de-DE" smtClean="0"/>
-              <a:t>17.04.2021</a:t>
+              <a:t>19.04.2021</a:t>
             </a:fld>
             <a:endParaRPr lang="de-DE"/>
           </a:p>

--- a/layout_sketches.pptx
+++ b/layout_sketches.pptx
@@ -259,7 +259,7 @@
           <a:p>
             <a:fld id="{24E1D275-1CBF-4F78-876E-30D195C0EF8B}" type="datetimeFigureOut">
               <a:rPr lang="de-DE" smtClean="0"/>
-              <a:t>19.04.2021</a:t>
+              <a:t>01.05.2021</a:t>
             </a:fld>
             <a:endParaRPr lang="de-DE"/>
           </a:p>
@@ -457,7 +457,7 @@
           <a:p>
             <a:fld id="{24E1D275-1CBF-4F78-876E-30D195C0EF8B}" type="datetimeFigureOut">
               <a:rPr lang="de-DE" smtClean="0"/>
-              <a:t>19.04.2021</a:t>
+              <a:t>01.05.2021</a:t>
             </a:fld>
             <a:endParaRPr lang="de-DE"/>
           </a:p>
@@ -665,7 +665,7 @@
           <a:p>
             <a:fld id="{24E1D275-1CBF-4F78-876E-30D195C0EF8B}" type="datetimeFigureOut">
               <a:rPr lang="de-DE" smtClean="0"/>
-              <a:t>19.04.2021</a:t>
+              <a:t>01.05.2021</a:t>
             </a:fld>
             <a:endParaRPr lang="de-DE"/>
           </a:p>
@@ -863,7 +863,7 @@
           <a:p>
             <a:fld id="{24E1D275-1CBF-4F78-876E-30D195C0EF8B}" type="datetimeFigureOut">
               <a:rPr lang="de-DE" smtClean="0"/>
-              <a:t>19.04.2021</a:t>
+              <a:t>01.05.2021</a:t>
             </a:fld>
             <a:endParaRPr lang="de-DE"/>
           </a:p>
@@ -1138,7 +1138,7 @@
           <a:p>
             <a:fld id="{24E1D275-1CBF-4F78-876E-30D195C0EF8B}" type="datetimeFigureOut">
               <a:rPr lang="de-DE" smtClean="0"/>
-              <a:t>19.04.2021</a:t>
+              <a:t>01.05.2021</a:t>
             </a:fld>
             <a:endParaRPr lang="de-DE"/>
           </a:p>
@@ -1403,7 +1403,7 @@
           <a:p>
             <a:fld id="{24E1D275-1CBF-4F78-876E-30D195C0EF8B}" type="datetimeFigureOut">
               <a:rPr lang="de-DE" smtClean="0"/>
-              <a:t>19.04.2021</a:t>
+              <a:t>01.05.2021</a:t>
             </a:fld>
             <a:endParaRPr lang="de-DE"/>
           </a:p>
@@ -1815,7 +1815,7 @@
           <a:p>
             <a:fld id="{24E1D275-1CBF-4F78-876E-30D195C0EF8B}" type="datetimeFigureOut">
               <a:rPr lang="de-DE" smtClean="0"/>
-              <a:t>19.04.2021</a:t>
+              <a:t>01.05.2021</a:t>
             </a:fld>
             <a:endParaRPr lang="de-DE"/>
           </a:p>
@@ -1956,7 +1956,7 @@
           <a:p>
             <a:fld id="{24E1D275-1CBF-4F78-876E-30D195C0EF8B}" type="datetimeFigureOut">
               <a:rPr lang="de-DE" smtClean="0"/>
-              <a:t>19.04.2021</a:t>
+              <a:t>01.05.2021</a:t>
             </a:fld>
             <a:endParaRPr lang="de-DE"/>
           </a:p>
@@ -2069,7 +2069,7 @@
           <a:p>
             <a:fld id="{24E1D275-1CBF-4F78-876E-30D195C0EF8B}" type="datetimeFigureOut">
               <a:rPr lang="de-DE" smtClean="0"/>
-              <a:t>19.04.2021</a:t>
+              <a:t>01.05.2021</a:t>
             </a:fld>
             <a:endParaRPr lang="de-DE"/>
           </a:p>
@@ -2380,7 +2380,7 @@
           <a:p>
             <a:fld id="{24E1D275-1CBF-4F78-876E-30D195C0EF8B}" type="datetimeFigureOut">
               <a:rPr lang="de-DE" smtClean="0"/>
-              <a:t>19.04.2021</a:t>
+              <a:t>01.05.2021</a:t>
             </a:fld>
             <a:endParaRPr lang="de-DE"/>
           </a:p>
@@ -2668,7 +2668,7 @@
           <a:p>
             <a:fld id="{24E1D275-1CBF-4F78-876E-30D195C0EF8B}" type="datetimeFigureOut">
               <a:rPr lang="de-DE" smtClean="0"/>
-              <a:t>19.04.2021</a:t>
+              <a:t>01.05.2021</a:t>
             </a:fld>
             <a:endParaRPr lang="de-DE"/>
           </a:p>
@@ -2912,7 +2912,7 @@
           <a:p>
             <a:fld id="{24E1D275-1CBF-4F78-876E-30D195C0EF8B}" type="datetimeFigureOut">
               <a:rPr lang="de-DE" smtClean="0"/>
-              <a:t>19.04.2021</a:t>
+              <a:t>01.05.2021</a:t>
             </a:fld>
             <a:endParaRPr lang="de-DE"/>
           </a:p>
